--- a/报告PPT/基于支持向量机的投资策略.pptx
+++ b/报告PPT/基于支持向量机的投资策略.pptx
@@ -233,7 +233,7 @@
             <a:fld id="{0F9B84EA-7D68-4D60-9CB1-D50884785D1C}" type="datetimeFigureOut">
               <a:rPr lang="zh-CN" altLang="en-US" smtClean="0"/>
               <a:pPr/>
-              <a:t>2017-12-08</a:t>
+              <a:t>2017-12-13</a:t>
             </a:fld>
             <a:endParaRPr lang="zh-CN" altLang="en-US"/>
           </a:p>
@@ -400,7 +400,7 @@
             <a:fld id="{D2A48B96-639E-45A3-A0BA-2464DFDB1FAA}" type="datetimeFigureOut">
               <a:rPr lang="zh-CN" altLang="en-US" smtClean="0"/>
               <a:pPr/>
-              <a:t>2017-12-08</a:t>
+              <a:t>2017-12-13</a:t>
             </a:fld>
             <a:endParaRPr lang="zh-CN" altLang="en-US"/>
           </a:p>
@@ -895,7 +895,7 @@
             <a:fld id="{57F14C9D-4C0D-4472-AE75-C7D0372CBDB7}" type="datetimeFigureOut">
               <a:rPr lang="zh-CN" altLang="en-US" smtClean="0"/>
               <a:pPr/>
-              <a:t>2017-12-08</a:t>
+              <a:t>2017-12-13</a:t>
             </a:fld>
             <a:endParaRPr lang="zh-CN" altLang="en-US"/>
           </a:p>
@@ -1060,7 +1060,7 @@
             <a:fld id="{57F14C9D-4C0D-4472-AE75-C7D0372CBDB7}" type="datetimeFigureOut">
               <a:rPr lang="zh-CN" altLang="en-US" smtClean="0"/>
               <a:pPr/>
-              <a:t>2017-12-08</a:t>
+              <a:t>2017-12-13</a:t>
             </a:fld>
             <a:endParaRPr lang="zh-CN" altLang="en-US"/>
           </a:p>
@@ -1235,7 +1235,7 @@
             <a:fld id="{57F14C9D-4C0D-4472-AE75-C7D0372CBDB7}" type="datetimeFigureOut">
               <a:rPr lang="zh-CN" altLang="en-US" smtClean="0"/>
               <a:pPr/>
-              <a:t>2017-12-08</a:t>
+              <a:t>2017-12-13</a:t>
             </a:fld>
             <a:endParaRPr lang="zh-CN" altLang="en-US"/>
           </a:p>
@@ -1400,7 +1400,7 @@
             <a:fld id="{57F14C9D-4C0D-4472-AE75-C7D0372CBDB7}" type="datetimeFigureOut">
               <a:rPr lang="zh-CN" altLang="en-US" smtClean="0"/>
               <a:pPr/>
-              <a:t>2017-12-08</a:t>
+              <a:t>2017-12-13</a:t>
             </a:fld>
             <a:endParaRPr lang="zh-CN" altLang="en-US"/>
           </a:p>
@@ -1642,7 +1642,7 @@
             <a:fld id="{57F14C9D-4C0D-4472-AE75-C7D0372CBDB7}" type="datetimeFigureOut">
               <a:rPr lang="zh-CN" altLang="en-US" smtClean="0"/>
               <a:pPr/>
-              <a:t>2017-12-08</a:t>
+              <a:t>2017-12-13</a:t>
             </a:fld>
             <a:endParaRPr lang="zh-CN" altLang="en-US"/>
           </a:p>
@@ -1868,7 +1868,7 @@
             <a:fld id="{57F14C9D-4C0D-4472-AE75-C7D0372CBDB7}" type="datetimeFigureOut">
               <a:rPr lang="zh-CN" altLang="en-US" smtClean="0"/>
               <a:pPr/>
-              <a:t>2017-12-08</a:t>
+              <a:t>2017-12-13</a:t>
             </a:fld>
             <a:endParaRPr lang="zh-CN" altLang="en-US"/>
           </a:p>
@@ -2229,7 +2229,7 @@
             <a:fld id="{57F14C9D-4C0D-4472-AE75-C7D0372CBDB7}" type="datetimeFigureOut">
               <a:rPr lang="zh-CN" altLang="en-US" smtClean="0"/>
               <a:pPr/>
-              <a:t>2017-12-08</a:t>
+              <a:t>2017-12-13</a:t>
             </a:fld>
             <a:endParaRPr lang="zh-CN" altLang="en-US"/>
           </a:p>
@@ -2343,7 +2343,7 @@
             <a:fld id="{57F14C9D-4C0D-4472-AE75-C7D0372CBDB7}" type="datetimeFigureOut">
               <a:rPr lang="zh-CN" altLang="en-US" smtClean="0"/>
               <a:pPr/>
-              <a:t>2017-12-08</a:t>
+              <a:t>2017-12-13</a:t>
             </a:fld>
             <a:endParaRPr lang="zh-CN" altLang="en-US"/>
           </a:p>
@@ -2435,7 +2435,7 @@
             <a:fld id="{57F14C9D-4C0D-4472-AE75-C7D0372CBDB7}" type="datetimeFigureOut">
               <a:rPr lang="zh-CN" altLang="en-US" smtClean="0"/>
               <a:pPr/>
-              <a:t>2017-12-08</a:t>
+              <a:t>2017-12-13</a:t>
             </a:fld>
             <a:endParaRPr lang="zh-CN" altLang="en-US"/>
           </a:p>
@@ -2794,7 +2794,7 @@
             <a:fld id="{57F14C9D-4C0D-4472-AE75-C7D0372CBDB7}" type="datetimeFigureOut">
               <a:rPr lang="zh-CN" altLang="en-US" smtClean="0"/>
               <a:pPr/>
-              <a:t>2017-12-08</a:t>
+              <a:t>2017-12-13</a:t>
             </a:fld>
             <a:endParaRPr lang="zh-CN" altLang="en-US"/>
           </a:p>
@@ -3043,7 +3043,7 @@
             <a:fld id="{57F14C9D-4C0D-4472-AE75-C7D0372CBDB7}" type="datetimeFigureOut">
               <a:rPr lang="zh-CN" altLang="en-US" smtClean="0"/>
               <a:pPr/>
-              <a:t>2017-12-08</a:t>
+              <a:t>2017-12-13</a:t>
             </a:fld>
             <a:endParaRPr lang="zh-CN" altLang="en-US"/>
           </a:p>
@@ -3251,7 +3251,7 @@
             <a:fld id="{57F14C9D-4C0D-4472-AE75-C7D0372CBDB7}" type="datetimeFigureOut">
               <a:rPr lang="zh-CN" altLang="en-US" smtClean="0"/>
               <a:pPr/>
-              <a:t>2017-12-08</a:t>
+              <a:t>2017-12-13</a:t>
             </a:fld>
             <a:endParaRPr lang="zh-CN" altLang="en-US"/>
           </a:p>
@@ -7068,8 +7068,8 @@
   <p:clrMapOvr>
     <a:masterClrMapping/>
   </p:clrMapOvr>
-  <mc:AlternateContent xmlns:mc="http://schemas.openxmlformats.org/markup-compatibility/2006">
-    <mc:Choice xmlns:p14="http://schemas.microsoft.com/office/powerpoint/2010/main" Requires="p14">
+  <mc:AlternateContent xmlns:mc="http://schemas.openxmlformats.org/markup-compatibility/2006" xmlns:p14="http://schemas.microsoft.com/office/powerpoint/2010/main">
+    <mc:Choice Requires="p14">
       <p:timing>
         <p:tnLst>
           <p:par>
@@ -7198,7 +7198,7 @@
         </p:bldLst>
       </p:timing>
     </mc:Choice>
-    <mc:Fallback>
+    <mc:Fallback xmlns="">
       <p:timing>
         <p:tnLst>
           <p:par>
@@ -8413,7 +8413,7 @@
         </p:blipFill>
         <p:spPr bwMode="auto">
           <a:xfrm>
-            <a:off x="3188649" y="2869542"/>
+            <a:off x="2734187" y="2981424"/>
             <a:ext cx="4610100" cy="3695700"/>
           </a:xfrm>
           <a:prstGeom prst="rect">
@@ -8425,6 +8425,42 @@
             <a:headEnd/>
             <a:tailEnd/>
           </a:ln>
+        </p:spPr>
+      </p:pic>
+      <p:pic>
+        <p:nvPicPr>
+          <p:cNvPr id="15" name="图片 14">
+            <a:extLst>
+              <a:ext uri="{FF2B5EF4-FFF2-40B4-BE49-F238E27FC236}">
+                <a16:creationId xmlns:a16="http://schemas.microsoft.com/office/drawing/2014/main" id="{E44ACA38-DA58-4812-BDCB-ED6DE12F3E92}"/>
+              </a:ext>
+            </a:extLst>
+          </p:cNvPr>
+          <p:cNvPicPr>
+            <a:picLocks noChangeAspect="1"/>
+          </p:cNvPicPr>
+          <p:nvPr/>
+        </p:nvPicPr>
+        <p:blipFill>
+          <a:blip r:embed="rId5">
+            <a:extLst>
+              <a:ext uri="{28A0092B-C50C-407E-A947-70E740481C1C}">
+                <a14:useLocalDpi xmlns:a14="http://schemas.microsoft.com/office/drawing/2010/main" val="0"/>
+              </a:ext>
+            </a:extLst>
+          </a:blip>
+          <a:stretch>
+            <a:fillRect/>
+          </a:stretch>
+        </p:blipFill>
+        <p:spPr>
+          <a:xfrm>
+            <a:off x="7449040" y="2981424"/>
+            <a:ext cx="4025158" cy="3550787"/>
+          </a:xfrm>
+          <a:prstGeom prst="rect">
+            <a:avLst/>
+          </a:prstGeom>
         </p:spPr>
       </p:pic>
     </p:spTree>
@@ -9840,7 +9876,7 @@
         <p:spPr>
           <a:xfrm>
             <a:off x="5754617" y="2847708"/>
-            <a:ext cx="4109874" cy="2462213"/>
+            <a:ext cx="4109874" cy="2246769"/>
           </a:xfrm>
           <a:prstGeom prst="rect">
             <a:avLst/>
@@ -9889,6 +9925,60 @@
                 <a:cs typeface="Arial" pitchFamily="34" charset="0"/>
               </a:rPr>
               <a:t>而加入再多的技术指标只会造成更多的噪音，降低分类的准确性。</a:t>
+            </a:r>
+            <a:endParaRPr lang="en-US" altLang="zh-CN" sz="1400" dirty="0">
+              <a:solidFill>
+                <a:srgbClr val="000000"/>
+              </a:solidFill>
+              <a:cs typeface="Arial" pitchFamily="34" charset="0"/>
+            </a:endParaRPr>
+          </a:p>
+          <a:p>
+            <a:pPr algn="just"/>
+            <a:r>
+              <a:rPr lang="zh-CN" altLang="en-US" sz="1400" dirty="0">
+                <a:solidFill>
+                  <a:srgbClr val="000000"/>
+                </a:solidFill>
+                <a:cs typeface="Arial" pitchFamily="34" charset="0"/>
+              </a:rPr>
+              <a:t>尝试过加入</a:t>
+            </a:r>
+            <a:r>
+              <a:rPr lang="en-US" altLang="zh-CN" sz="1400" dirty="0">
+                <a:solidFill>
+                  <a:srgbClr val="000000"/>
+                </a:solidFill>
+                <a:cs typeface="Arial" pitchFamily="34" charset="0"/>
+              </a:rPr>
+              <a:t>lag1</a:t>
+            </a:r>
+            <a:r>
+              <a:rPr lang="zh-CN" altLang="en-US" sz="1400" dirty="0">
+                <a:solidFill>
+                  <a:srgbClr val="000000"/>
+                </a:solidFill>
+                <a:cs typeface="Arial" pitchFamily="34" charset="0"/>
+              </a:rPr>
+              <a:t>期，</a:t>
+            </a:r>
+            <a:r>
+              <a:rPr lang="en-US" altLang="zh-CN" sz="1400" dirty="0">
+                <a:solidFill>
+                  <a:srgbClr val="000000"/>
+                </a:solidFill>
+                <a:cs typeface="Arial" pitchFamily="34" charset="0"/>
+              </a:rPr>
+              <a:t>lag2</a:t>
+            </a:r>
+            <a:r>
+              <a:rPr lang="zh-CN" altLang="en-US" sz="1400" dirty="0">
+                <a:solidFill>
+                  <a:srgbClr val="000000"/>
+                </a:solidFill>
+                <a:cs typeface="Arial" pitchFamily="34" charset="0"/>
+              </a:rPr>
+              <a:t>期以及本期的收益情况来预期下一期的收益，效果都一样不好。</a:t>
             </a:r>
             <a:endParaRPr lang="en-US" altLang="zh-CN" sz="1400" dirty="0">
               <a:solidFill>
@@ -9943,24 +10033,6 @@
                 <a:cs typeface="Arial" pitchFamily="34" charset="0"/>
               </a:rPr>
               <a:t>年股市整体处于上涨阶段。</a:t>
-            </a:r>
-            <a:endParaRPr lang="en-US" altLang="zh-CN" sz="1400" dirty="0">
-              <a:solidFill>
-                <a:srgbClr val="000000"/>
-              </a:solidFill>
-              <a:cs typeface="Arial" pitchFamily="34" charset="0"/>
-            </a:endParaRPr>
-          </a:p>
-          <a:p>
-            <a:pPr algn="just"/>
-            <a:r>
-              <a:rPr lang="zh-CN" altLang="en-US" sz="1400" dirty="0">
-                <a:solidFill>
-                  <a:srgbClr val="000000"/>
-                </a:solidFill>
-                <a:cs typeface="Arial" pitchFamily="34" charset="0"/>
-              </a:rPr>
-              <a:t>针对预测未来股票未来走势，标记当期的方向以及很多文献是采用预测指数具体数值，都是错误的做法。</a:t>
             </a:r>
             <a:endParaRPr lang="en-US" altLang="zh-CN" sz="1400" dirty="0">
               <a:solidFill>
